--- a/TASK 3 is vib (2).pptx
+++ b/TASK 3 is vib (2).pptx
@@ -105,6 +105,11 @@
       </a:defRPr>
     </a:lvl9pPr>
   </p:defaultTextStyle>
+  <p:extLst>
+    <p:ext uri="{EFAFB233-063F-42B5-8137-9DF3F51BA10A}">
+      <p15:sldGuideLst xmlns:p15="http://schemas.microsoft.com/office/powerpoint/2012/main"/>
+    </p:ext>
+  </p:extLst>
 </p:presentation>
 </file>
 
@@ -3074,25 +3079,6 @@
           <a:chExt cx="0" cy="0"/>
         </a:xfrm>
       </p:grpSpPr>
-      <p:sp>
-        <p:nvSpPr>
-          <p:cNvPr id="2" name="Title 1"/>
-          <p:cNvSpPr>
-            <a:spLocks noGrp="1"/>
-          </p:cNvSpPr>
-          <p:nvPr>
-            <p:ph type="title"/>
-          </p:nvPr>
-        </p:nvSpPr>
-        <p:spPr/>
-        <p:txBody>
-          <a:bodyPr/>
-          <a:lstStyle/>
-          <a:p>
-            <a:endParaRPr lang="en-US" dirty="0"/>
-          </a:p>
-        </p:txBody>
-      </p:sp>
       <p:pic>
         <p:nvPicPr>
           <p:cNvPr id="4" name="Content Placeholder 3"/>
@@ -3100,7 +3086,7 @@
             <a:picLocks noGrp="1" noChangeAspect="1"/>
           </p:cNvPicPr>
           <p:nvPr>
-            <p:ph idx="1"/>
+            <p:ph idx="4294967295"/>
           </p:nvPr>
         </p:nvPicPr>
         <p:blipFill>
@@ -3117,8 +3103,8 @@
         </p:blipFill>
         <p:spPr>
           <a:xfrm>
-            <a:off x="1261180" y="1825625"/>
-            <a:ext cx="9669640" cy="4351338"/>
+            <a:off x="875763" y="682580"/>
+            <a:ext cx="10341736" cy="5434885"/>
           </a:xfrm>
         </p:spPr>
       </p:pic>
